--- a/ドキュメント/画面設計.pptx
+++ b/ドキュメント/画面設計.pptx
@@ -3919,7 +3919,11 @@
           <a:prstGeom prst="rect">
             <a:avLst/>
           </a:prstGeom>
-          <a:noFill/>
+          <a:solidFill>
+            <a:schemeClr val="accent6">
+              <a:lumMod val="75000"/>
+            </a:schemeClr>
+          </a:solidFill>
         </p:spPr>
         <p:style>
           <a:lnRef idx="2">
@@ -4333,11 +4337,7 @@
           <a:p>
             <a:r>
               <a:rPr lang="ja-JP" altLang="en-US" dirty="0" smtClean="0"/>
-              <a:t>下の二枚が</a:t>
-            </a:r>
-            <a:r>
-              <a:rPr lang="ja-JP" altLang="en-US" dirty="0" smtClean="0"/>
-              <a:t>プレイヤー</a:t>
+              <a:t>下の二枚がプレイヤー</a:t>
             </a:r>
             <a:endParaRPr lang="en-US" altLang="ja-JP" dirty="0" smtClean="0"/>
           </a:p>
@@ -4367,7 +4367,9 @@
           <a:prstGeom prst="ellipse">
             <a:avLst/>
           </a:prstGeom>
-          <a:noFill/>
+          <a:solidFill>
+            <a:schemeClr val="bg1"/>
+          </a:solidFill>
         </p:spPr>
         <p:style>
           <a:lnRef idx="2">
@@ -4502,7 +4504,11 @@
           <a:prstGeom prst="rect">
             <a:avLst/>
           </a:prstGeom>
-          <a:noFill/>
+          <a:solidFill>
+            <a:schemeClr val="accent6">
+              <a:lumMod val="75000"/>
+            </a:schemeClr>
+          </a:solidFill>
         </p:spPr>
         <p:style>
           <a:lnRef idx="2">
@@ -4948,6 +4954,79 @@
           </a:p>
         </p:txBody>
       </p:sp>
+      <p:sp>
+        <p:nvSpPr>
+          <p:cNvPr id="17" name="楕円 16"/>
+          <p:cNvSpPr/>
+          <p:nvPr/>
+        </p:nvSpPr>
+        <p:spPr>
+          <a:xfrm>
+            <a:off x="6038653" y="1429451"/>
+            <a:ext cx="1781666" cy="1781666"/>
+          </a:xfrm>
+          <a:prstGeom prst="ellipse">
+            <a:avLst/>
+          </a:prstGeom>
+          <a:solidFill>
+            <a:schemeClr val="bg1"/>
+          </a:solidFill>
+        </p:spPr>
+        <p:style>
+          <a:lnRef idx="2">
+            <a:schemeClr val="accent1">
+              <a:shade val="50000"/>
+            </a:schemeClr>
+          </a:lnRef>
+          <a:fillRef idx="1">
+            <a:schemeClr val="accent1"/>
+          </a:fillRef>
+          <a:effectRef idx="0">
+            <a:schemeClr val="accent1"/>
+          </a:effectRef>
+          <a:fontRef idx="minor">
+            <a:schemeClr val="lt1"/>
+          </a:fontRef>
+        </p:style>
+        <p:txBody>
+          <a:bodyPr rtlCol="0" anchor="ctr"/>
+          <a:lstStyle/>
+          <a:p>
+            <a:pPr algn="ctr"/>
+            <a:endParaRPr kumimoji="1" lang="ja-JP" altLang="en-US"/>
+          </a:p>
+        </p:txBody>
+      </p:sp>
+      <p:sp>
+        <p:nvSpPr>
+          <p:cNvPr id="18" name="テキスト ボックス 17"/>
+          <p:cNvSpPr txBox="1"/>
+          <p:nvPr/>
+        </p:nvSpPr>
+        <p:spPr>
+          <a:xfrm>
+            <a:off x="6325386" y="2135618"/>
+            <a:ext cx="1376650" cy="369332"/>
+          </a:xfrm>
+          <a:prstGeom prst="rect">
+            <a:avLst/>
+          </a:prstGeom>
+          <a:noFill/>
+        </p:spPr>
+        <p:txBody>
+          <a:bodyPr wrap="square" rtlCol="0">
+            <a:spAutoFit/>
+          </a:bodyPr>
+          <a:lstStyle/>
+          <a:p>
+            <a:r>
+              <a:rPr kumimoji="1" lang="ja-JP" altLang="en-US" dirty="0" smtClean="0"/>
+              <a:t>ルーレット</a:t>
+            </a:r>
+            <a:endParaRPr kumimoji="1" lang="ja-JP" altLang="en-US" dirty="0"/>
+          </a:p>
+        </p:txBody>
+      </p:sp>
     </p:spTree>
     <p:extLst>
       <p:ext uri="{BB962C8B-B14F-4D97-AF65-F5344CB8AC3E}">
@@ -5026,7 +5105,11 @@
           <a:prstGeom prst="rect">
             <a:avLst/>
           </a:prstGeom>
-          <a:noFill/>
+          <a:solidFill>
+            <a:schemeClr val="accent6">
+              <a:lumMod val="75000"/>
+            </a:schemeClr>
+          </a:solidFill>
         </p:spPr>
         <p:style>
           <a:lnRef idx="2">
@@ -5610,6 +5693,79 @@
                 <a:schemeClr val="tx1"/>
               </a:solidFill>
             </a:endParaRPr>
+          </a:p>
+        </p:txBody>
+      </p:sp>
+      <p:sp>
+        <p:nvSpPr>
+          <p:cNvPr id="21" name="楕円 20"/>
+          <p:cNvSpPr/>
+          <p:nvPr/>
+        </p:nvSpPr>
+        <p:spPr>
+          <a:xfrm>
+            <a:off x="6038653" y="1429451"/>
+            <a:ext cx="1781666" cy="1781666"/>
+          </a:xfrm>
+          <a:prstGeom prst="ellipse">
+            <a:avLst/>
+          </a:prstGeom>
+          <a:solidFill>
+            <a:schemeClr val="bg1"/>
+          </a:solidFill>
+        </p:spPr>
+        <p:style>
+          <a:lnRef idx="2">
+            <a:schemeClr val="accent1">
+              <a:shade val="50000"/>
+            </a:schemeClr>
+          </a:lnRef>
+          <a:fillRef idx="1">
+            <a:schemeClr val="accent1"/>
+          </a:fillRef>
+          <a:effectRef idx="0">
+            <a:schemeClr val="accent1"/>
+          </a:effectRef>
+          <a:fontRef idx="minor">
+            <a:schemeClr val="lt1"/>
+          </a:fontRef>
+        </p:style>
+        <p:txBody>
+          <a:bodyPr rtlCol="0" anchor="ctr"/>
+          <a:lstStyle/>
+          <a:p>
+            <a:pPr algn="ctr"/>
+            <a:endParaRPr kumimoji="1" lang="ja-JP" altLang="en-US"/>
+          </a:p>
+        </p:txBody>
+      </p:sp>
+      <p:sp>
+        <p:nvSpPr>
+          <p:cNvPr id="22" name="テキスト ボックス 21"/>
+          <p:cNvSpPr txBox="1"/>
+          <p:nvPr/>
+        </p:nvSpPr>
+        <p:spPr>
+          <a:xfrm>
+            <a:off x="6325386" y="2135618"/>
+            <a:ext cx="1376650" cy="369332"/>
+          </a:xfrm>
+          <a:prstGeom prst="rect">
+            <a:avLst/>
+          </a:prstGeom>
+          <a:noFill/>
+        </p:spPr>
+        <p:txBody>
+          <a:bodyPr wrap="square" rtlCol="0">
+            <a:spAutoFit/>
+          </a:bodyPr>
+          <a:lstStyle/>
+          <a:p>
+            <a:r>
+              <a:rPr kumimoji="1" lang="ja-JP" altLang="en-US" dirty="0" smtClean="0"/>
+              <a:t>ルーレット</a:t>
+            </a:r>
+            <a:endParaRPr kumimoji="1" lang="ja-JP" altLang="en-US" dirty="0"/>
           </a:p>
         </p:txBody>
       </p:sp>
